--- a/manuscript/figures/architecture-figure/architecture-figure.pptx
+++ b/manuscript/figures/architecture-figure/architecture-figure.pptx
@@ -274,7 +274,7 @@
           <a:p>
             <a:fld id="{8480B4D9-A2C3-A341-9EB9-3D666583F0E8}" type="datetimeFigureOut">
               <a:rPr lang="en-DK" smtClean="0"/>
-              <a:t>22/04/2024</a:t>
+              <a:t>24/04/2024</a:t>
             </a:fld>
             <a:endParaRPr lang="en-DK"/>
           </a:p>
@@ -474,7 +474,7 @@
           <a:p>
             <a:fld id="{8480B4D9-A2C3-A341-9EB9-3D666583F0E8}" type="datetimeFigureOut">
               <a:rPr lang="en-DK" smtClean="0"/>
-              <a:t>22/04/2024</a:t>
+              <a:t>24/04/2024</a:t>
             </a:fld>
             <a:endParaRPr lang="en-DK"/>
           </a:p>
@@ -684,7 +684,7 @@
           <a:p>
             <a:fld id="{8480B4D9-A2C3-A341-9EB9-3D666583F0E8}" type="datetimeFigureOut">
               <a:rPr lang="en-DK" smtClean="0"/>
-              <a:t>22/04/2024</a:t>
+              <a:t>24/04/2024</a:t>
             </a:fld>
             <a:endParaRPr lang="en-DK"/>
           </a:p>
@@ -884,7 +884,7 @@
           <a:p>
             <a:fld id="{8480B4D9-A2C3-A341-9EB9-3D666583F0E8}" type="datetimeFigureOut">
               <a:rPr lang="en-DK" smtClean="0"/>
-              <a:t>22/04/2024</a:t>
+              <a:t>24/04/2024</a:t>
             </a:fld>
             <a:endParaRPr lang="en-DK"/>
           </a:p>
@@ -1160,7 +1160,7 @@
           <a:p>
             <a:fld id="{8480B4D9-A2C3-A341-9EB9-3D666583F0E8}" type="datetimeFigureOut">
               <a:rPr lang="en-DK" smtClean="0"/>
-              <a:t>22/04/2024</a:t>
+              <a:t>24/04/2024</a:t>
             </a:fld>
             <a:endParaRPr lang="en-DK"/>
           </a:p>
@@ -1428,7 +1428,7 @@
           <a:p>
             <a:fld id="{8480B4D9-A2C3-A341-9EB9-3D666583F0E8}" type="datetimeFigureOut">
               <a:rPr lang="en-DK" smtClean="0"/>
-              <a:t>22/04/2024</a:t>
+              <a:t>24/04/2024</a:t>
             </a:fld>
             <a:endParaRPr lang="en-DK"/>
           </a:p>
@@ -1843,7 +1843,7 @@
           <a:p>
             <a:fld id="{8480B4D9-A2C3-A341-9EB9-3D666583F0E8}" type="datetimeFigureOut">
               <a:rPr lang="en-DK" smtClean="0"/>
-              <a:t>22/04/2024</a:t>
+              <a:t>24/04/2024</a:t>
             </a:fld>
             <a:endParaRPr lang="en-DK"/>
           </a:p>
@@ -1985,7 +1985,7 @@
           <a:p>
             <a:fld id="{8480B4D9-A2C3-A341-9EB9-3D666583F0E8}" type="datetimeFigureOut">
               <a:rPr lang="en-DK" smtClean="0"/>
-              <a:t>22/04/2024</a:t>
+              <a:t>24/04/2024</a:t>
             </a:fld>
             <a:endParaRPr lang="en-DK"/>
           </a:p>
@@ -2098,7 +2098,7 @@
           <a:p>
             <a:fld id="{8480B4D9-A2C3-A341-9EB9-3D666583F0E8}" type="datetimeFigureOut">
               <a:rPr lang="en-DK" smtClean="0"/>
-              <a:t>22/04/2024</a:t>
+              <a:t>24/04/2024</a:t>
             </a:fld>
             <a:endParaRPr lang="en-DK"/>
           </a:p>
@@ -2411,7 +2411,7 @@
           <a:p>
             <a:fld id="{8480B4D9-A2C3-A341-9EB9-3D666583F0E8}" type="datetimeFigureOut">
               <a:rPr lang="en-DK" smtClean="0"/>
-              <a:t>22/04/2024</a:t>
+              <a:t>24/04/2024</a:t>
             </a:fld>
             <a:endParaRPr lang="en-DK"/>
           </a:p>
@@ -2700,7 +2700,7 @@
           <a:p>
             <a:fld id="{8480B4D9-A2C3-A341-9EB9-3D666583F0E8}" type="datetimeFigureOut">
               <a:rPr lang="en-DK" smtClean="0"/>
-              <a:t>22/04/2024</a:t>
+              <a:t>24/04/2024</a:t>
             </a:fld>
             <a:endParaRPr lang="en-DK"/>
           </a:p>
@@ -2943,7 +2943,7 @@
           <a:p>
             <a:fld id="{8480B4D9-A2C3-A341-9EB9-3D666583F0E8}" type="datetimeFigureOut">
               <a:rPr lang="en-DK" smtClean="0"/>
-              <a:t>22/04/2024</a:t>
+              <a:t>24/04/2024</a:t>
             </a:fld>
             <a:endParaRPr lang="en-DK"/>
           </a:p>
@@ -12718,7 +12718,7 @@
         <p:spPr>
           <a:xfrm>
             <a:off x="812529" y="255722"/>
-            <a:ext cx="9483484" cy="5945304"/>
+            <a:ext cx="9483484" cy="5945303"/>
           </a:xfrm>
           <a:prstGeom prst="rect">
             <a:avLst/>
@@ -13523,8 +13523,8 @@
         </p:nvCxnSpPr>
         <p:spPr>
           <a:xfrm flipH="1">
-            <a:off x="5961708" y="1459114"/>
-            <a:ext cx="1057159" cy="601683"/>
+            <a:off x="5961708" y="1502657"/>
+            <a:ext cx="1017575" cy="558140"/>
           </a:xfrm>
           <a:prstGeom prst="line">
             <a:avLst/>
@@ -18655,6 +18655,178 @@
           <a:xfrm>
             <a:off x="7640429" y="2212919"/>
             <a:ext cx="905253" cy="590699"/>
+          </a:xfrm>
+          <a:prstGeom prst="line">
+            <a:avLst/>
+          </a:prstGeom>
+          <a:ln>
+            <a:solidFill>
+              <a:srgbClr val="FF00FF"/>
+            </a:solidFill>
+          </a:ln>
+        </p:spPr>
+        <p:style>
+          <a:lnRef idx="2">
+            <a:schemeClr val="accent1"/>
+          </a:lnRef>
+          <a:fillRef idx="0">
+            <a:schemeClr val="accent1"/>
+          </a:fillRef>
+          <a:effectRef idx="1">
+            <a:schemeClr val="accent1"/>
+          </a:effectRef>
+          <a:fontRef idx="minor">
+            <a:schemeClr val="tx1"/>
+          </a:fontRef>
+        </p:style>
+      </p:cxnSp>
+      <p:cxnSp>
+        <p:nvCxnSpPr>
+          <p:cNvPr id="35" name="Straight Connector 34">
+            <a:extLst>
+              <a:ext uri="{FF2B5EF4-FFF2-40B4-BE49-F238E27FC236}">
+                <a16:creationId xmlns:a16="http://schemas.microsoft.com/office/drawing/2014/main" id="{0C832E73-6850-6976-FABA-250B607D5C6A}"/>
+              </a:ext>
+            </a:extLst>
+          </p:cNvPr>
+          <p:cNvCxnSpPr>
+            <a:cxnSpLocks/>
+          </p:cNvCxnSpPr>
+          <p:nvPr/>
+        </p:nvCxnSpPr>
+        <p:spPr>
+          <a:xfrm>
+            <a:off x="6989791" y="2220352"/>
+            <a:ext cx="624516" cy="571044"/>
+          </a:xfrm>
+          <a:prstGeom prst="line">
+            <a:avLst/>
+          </a:prstGeom>
+          <a:ln>
+            <a:solidFill>
+              <a:schemeClr val="accent6"/>
+            </a:solidFill>
+          </a:ln>
+        </p:spPr>
+        <p:style>
+          <a:lnRef idx="2">
+            <a:schemeClr val="accent1"/>
+          </a:lnRef>
+          <a:fillRef idx="0">
+            <a:schemeClr val="accent1"/>
+          </a:fillRef>
+          <a:effectRef idx="1">
+            <a:schemeClr val="accent1"/>
+          </a:effectRef>
+          <a:fontRef idx="minor">
+            <a:schemeClr val="tx1"/>
+          </a:fontRef>
+        </p:style>
+      </p:cxnSp>
+      <p:cxnSp>
+        <p:nvCxnSpPr>
+          <p:cNvPr id="74" name="Straight Connector 73">
+            <a:extLst>
+              <a:ext uri="{FF2B5EF4-FFF2-40B4-BE49-F238E27FC236}">
+                <a16:creationId xmlns:a16="http://schemas.microsoft.com/office/drawing/2014/main" id="{ED85CD1A-E9F6-F545-4C2E-AE441F8B1781}"/>
+              </a:ext>
+            </a:extLst>
+          </p:cNvPr>
+          <p:cNvCxnSpPr>
+            <a:cxnSpLocks/>
+          </p:cNvCxnSpPr>
+          <p:nvPr/>
+        </p:nvCxnSpPr>
+        <p:spPr>
+          <a:xfrm flipH="1" flipV="1">
+            <a:off x="7035256" y="2214283"/>
+            <a:ext cx="633916" cy="584005"/>
+          </a:xfrm>
+          <a:prstGeom prst="line">
+            <a:avLst/>
+          </a:prstGeom>
+          <a:ln>
+            <a:solidFill>
+              <a:srgbClr val="0070C0"/>
+            </a:solidFill>
+          </a:ln>
+        </p:spPr>
+        <p:style>
+          <a:lnRef idx="2">
+            <a:schemeClr val="accent1"/>
+          </a:lnRef>
+          <a:fillRef idx="0">
+            <a:schemeClr val="accent1"/>
+          </a:fillRef>
+          <a:effectRef idx="1">
+            <a:schemeClr val="accent1"/>
+          </a:effectRef>
+          <a:fontRef idx="minor">
+            <a:schemeClr val="tx1"/>
+          </a:fontRef>
+        </p:style>
+      </p:cxnSp>
+      <p:cxnSp>
+        <p:nvCxnSpPr>
+          <p:cNvPr id="80" name="Straight Connector 79">
+            <a:extLst>
+              <a:ext uri="{FF2B5EF4-FFF2-40B4-BE49-F238E27FC236}">
+                <a16:creationId xmlns:a16="http://schemas.microsoft.com/office/drawing/2014/main" id="{18BBB755-EC81-E4C0-D9A7-1C0685C5E693}"/>
+              </a:ext>
+            </a:extLst>
+          </p:cNvPr>
+          <p:cNvCxnSpPr>
+            <a:cxnSpLocks/>
+          </p:cNvCxnSpPr>
+          <p:nvPr/>
+        </p:nvCxnSpPr>
+        <p:spPr>
+          <a:xfrm>
+            <a:off x="7129774" y="2228711"/>
+            <a:ext cx="642170" cy="562685"/>
+          </a:xfrm>
+          <a:prstGeom prst="line">
+            <a:avLst/>
+          </a:prstGeom>
+          <a:ln>
+            <a:solidFill>
+              <a:srgbClr val="C00000"/>
+            </a:solidFill>
+          </a:ln>
+        </p:spPr>
+        <p:style>
+          <a:lnRef idx="2">
+            <a:schemeClr val="accent1"/>
+          </a:lnRef>
+          <a:fillRef idx="0">
+            <a:schemeClr val="accent1"/>
+          </a:fillRef>
+          <a:effectRef idx="1">
+            <a:schemeClr val="accent1"/>
+          </a:effectRef>
+          <a:fontRef idx="minor">
+            <a:schemeClr val="tx1"/>
+          </a:fontRef>
+        </p:style>
+      </p:cxnSp>
+      <p:cxnSp>
+        <p:nvCxnSpPr>
+          <p:cNvPr id="84" name="Straight Connector 83">
+            <a:extLst>
+              <a:ext uri="{FF2B5EF4-FFF2-40B4-BE49-F238E27FC236}">
+                <a16:creationId xmlns:a16="http://schemas.microsoft.com/office/drawing/2014/main" id="{55E98935-4FA9-BA85-2C26-BB4ED830B497}"/>
+              </a:ext>
+            </a:extLst>
+          </p:cNvPr>
+          <p:cNvCxnSpPr>
+            <a:cxnSpLocks/>
+          </p:cNvCxnSpPr>
+          <p:nvPr/>
+        </p:nvCxnSpPr>
+        <p:spPr>
+          <a:xfrm>
+            <a:off x="7168221" y="2216364"/>
+            <a:ext cx="652388" cy="573940"/>
           </a:xfrm>
           <a:prstGeom prst="line">
             <a:avLst/>
